--- a/design/画面デザイン1.pptx
+++ b/design/画面デザイン1.pptx
@@ -110,6 +110,11 @@
       </a:defRPr>
     </a:lvl9pPr>
   </p:defaultTextStyle>
+  <p:extLst>
+    <p:ext uri="{EFAFB233-063F-42B5-8137-9DF3F51BA10A}">
+      <p15:sldGuideLst xmlns:p15="http://schemas.microsoft.com/office/powerpoint/2012/main"/>
+    </p:ext>
+  </p:extLst>
 </p:presentation>
 </file>
 
@@ -260,7 +265,7 @@
           <a:p>
             <a:fld id="{53B47BB2-578A-9F44-A459-DC41ECF70460}" type="datetimeFigureOut">
               <a:rPr kumimoji="1" lang="ja-JP" altLang="en-US" smtClean="0"/>
-              <a:t>2023/9/17</a:t>
+              <a:t>2023/9/29</a:t>
             </a:fld>
             <a:endParaRPr kumimoji="1" lang="ja-JP" altLang="en-US"/>
           </a:p>
@@ -490,7 +495,7 @@
           <a:p>
             <a:fld id="{53B47BB2-578A-9F44-A459-DC41ECF70460}" type="datetimeFigureOut">
               <a:rPr kumimoji="1" lang="ja-JP" altLang="en-US" smtClean="0"/>
-              <a:t>2023/9/17</a:t>
+              <a:t>2023/9/29</a:t>
             </a:fld>
             <a:endParaRPr kumimoji="1" lang="ja-JP" altLang="en-US"/>
           </a:p>
@@ -730,7 +735,7 @@
           <a:p>
             <a:fld id="{53B47BB2-578A-9F44-A459-DC41ECF70460}" type="datetimeFigureOut">
               <a:rPr kumimoji="1" lang="ja-JP" altLang="en-US" smtClean="0"/>
-              <a:t>2023/9/17</a:t>
+              <a:t>2023/9/29</a:t>
             </a:fld>
             <a:endParaRPr kumimoji="1" lang="ja-JP" altLang="en-US"/>
           </a:p>
@@ -960,7 +965,7 @@
           <a:p>
             <a:fld id="{53B47BB2-578A-9F44-A459-DC41ECF70460}" type="datetimeFigureOut">
               <a:rPr kumimoji="1" lang="ja-JP" altLang="en-US" smtClean="0"/>
-              <a:t>2023/9/17</a:t>
+              <a:t>2023/9/29</a:t>
             </a:fld>
             <a:endParaRPr kumimoji="1" lang="ja-JP" altLang="en-US"/>
           </a:p>
@@ -1235,7 +1240,7 @@
           <a:p>
             <a:fld id="{53B47BB2-578A-9F44-A459-DC41ECF70460}" type="datetimeFigureOut">
               <a:rPr kumimoji="1" lang="ja-JP" altLang="en-US" smtClean="0"/>
-              <a:t>2023/9/17</a:t>
+              <a:t>2023/9/29</a:t>
             </a:fld>
             <a:endParaRPr kumimoji="1" lang="ja-JP" altLang="en-US"/>
           </a:p>
@@ -1564,7 +1569,7 @@
           <a:p>
             <a:fld id="{53B47BB2-578A-9F44-A459-DC41ECF70460}" type="datetimeFigureOut">
               <a:rPr kumimoji="1" lang="ja-JP" altLang="en-US" smtClean="0"/>
-              <a:t>2023/9/17</a:t>
+              <a:t>2023/9/29</a:t>
             </a:fld>
             <a:endParaRPr kumimoji="1" lang="ja-JP" altLang="en-US"/>
           </a:p>
@@ -2040,7 +2045,7 @@
           <a:p>
             <a:fld id="{53B47BB2-578A-9F44-A459-DC41ECF70460}" type="datetimeFigureOut">
               <a:rPr kumimoji="1" lang="ja-JP" altLang="en-US" smtClean="0"/>
-              <a:t>2023/9/17</a:t>
+              <a:t>2023/9/29</a:t>
             </a:fld>
             <a:endParaRPr kumimoji="1" lang="ja-JP" altLang="en-US"/>
           </a:p>
@@ -2181,7 +2186,7 @@
           <a:p>
             <a:fld id="{53B47BB2-578A-9F44-A459-DC41ECF70460}" type="datetimeFigureOut">
               <a:rPr kumimoji="1" lang="ja-JP" altLang="en-US" smtClean="0"/>
-              <a:t>2023/9/17</a:t>
+              <a:t>2023/9/29</a:t>
             </a:fld>
             <a:endParaRPr kumimoji="1" lang="ja-JP" altLang="en-US"/>
           </a:p>
@@ -2294,7 +2299,7 @@
           <a:p>
             <a:fld id="{53B47BB2-578A-9F44-A459-DC41ECF70460}" type="datetimeFigureOut">
               <a:rPr kumimoji="1" lang="ja-JP" altLang="en-US" smtClean="0"/>
-              <a:t>2023/9/17</a:t>
+              <a:t>2023/9/29</a:t>
             </a:fld>
             <a:endParaRPr kumimoji="1" lang="ja-JP" altLang="en-US"/>
           </a:p>
@@ -2637,7 +2642,7 @@
           <a:p>
             <a:fld id="{53B47BB2-578A-9F44-A459-DC41ECF70460}" type="datetimeFigureOut">
               <a:rPr kumimoji="1" lang="ja-JP" altLang="en-US" smtClean="0"/>
-              <a:t>2023/9/17</a:t>
+              <a:t>2023/9/29</a:t>
             </a:fld>
             <a:endParaRPr kumimoji="1" lang="ja-JP" altLang="en-US"/>
           </a:p>
@@ -2925,7 +2930,7 @@
           <a:p>
             <a:fld id="{53B47BB2-578A-9F44-A459-DC41ECF70460}" type="datetimeFigureOut">
               <a:rPr kumimoji="1" lang="ja-JP" altLang="en-US" smtClean="0"/>
-              <a:t>2023/9/17</a:t>
+              <a:t>2023/9/29</a:t>
             </a:fld>
             <a:endParaRPr kumimoji="1" lang="ja-JP" altLang="en-US"/>
           </a:p>
@@ -3198,7 +3203,7 @@
           <a:p>
             <a:fld id="{53B47BB2-578A-9F44-A459-DC41ECF70460}" type="datetimeFigureOut">
               <a:rPr kumimoji="1" lang="ja-JP" altLang="en-US" smtClean="0"/>
-              <a:t>2023/9/17</a:t>
+              <a:t>2023/9/29</a:t>
             </a:fld>
             <a:endParaRPr kumimoji="1" lang="ja-JP" altLang="en-US"/>
           </a:p>
@@ -5851,6 +5856,58 @@
           </a:p>
         </p:txBody>
       </p:sp>
+      <p:sp>
+        <p:nvSpPr>
+          <p:cNvPr id="2" name="角丸四角形 1">
+            <a:extLst>
+              <a:ext uri="{FF2B5EF4-FFF2-40B4-BE49-F238E27FC236}">
+                <a16:creationId xmlns:a16="http://schemas.microsoft.com/office/drawing/2014/main" id="{E1AD50D9-5F6D-A2F4-62BF-8E7BF4AF524C}"/>
+              </a:ext>
+            </a:extLst>
+          </p:cNvPr>
+          <p:cNvSpPr/>
+          <p:nvPr/>
+        </p:nvSpPr>
+        <p:spPr>
+          <a:xfrm>
+            <a:off x="2848304" y="1292772"/>
+            <a:ext cx="683172" cy="378373"/>
+          </a:xfrm>
+          <a:prstGeom prst="roundRect">
+            <a:avLst/>
+          </a:prstGeom>
+          <a:solidFill>
+            <a:schemeClr val="bg2">
+              <a:lumMod val="90000"/>
+            </a:schemeClr>
+          </a:solidFill>
+        </p:spPr>
+        <p:style>
+          <a:lnRef idx="2">
+            <a:schemeClr val="accent6"/>
+          </a:lnRef>
+          <a:fillRef idx="1">
+            <a:schemeClr val="lt1"/>
+          </a:fillRef>
+          <a:effectRef idx="0">
+            <a:schemeClr val="accent6"/>
+          </a:effectRef>
+          <a:fontRef idx="minor">
+            <a:schemeClr val="dk1"/>
+          </a:fontRef>
+        </p:style>
+        <p:txBody>
+          <a:bodyPr rtlCol="0" anchor="ctr"/>
+          <a:lstStyle/>
+          <a:p>
+            <a:pPr algn="ctr"/>
+            <a:r>
+              <a:rPr kumimoji="1" lang="ja-JP" altLang="en-US"/>
+              <a:t>追加</a:t>
+            </a:r>
+          </a:p>
+        </p:txBody>
+      </p:sp>
     </p:spTree>
     <p:extLst>
       <p:ext uri="{BB962C8B-B14F-4D97-AF65-F5344CB8AC3E}">
@@ -6003,7 +6060,7 @@
           </p:nvSpPr>
           <p:spPr>
             <a:xfrm>
-              <a:off x="5286696" y="3767955"/>
+              <a:off x="5265586" y="3997479"/>
               <a:ext cx="683172" cy="378373"/>
             </a:xfrm>
             <a:prstGeom prst="roundRect">
@@ -6141,7 +6198,7 @@
           </p:nvSpPr>
           <p:spPr>
             <a:xfrm>
-              <a:off x="3988675" y="3767955"/>
+              <a:off x="3967566" y="3997479"/>
               <a:ext cx="1298021" cy="378373"/>
             </a:xfrm>
             <a:prstGeom prst="roundRect">
@@ -6194,8 +6251,8 @@
         </p:nvSpPr>
         <p:spPr>
           <a:xfrm>
-            <a:off x="3478924" y="1376855"/>
-            <a:ext cx="5286704" cy="923330"/>
+            <a:off x="3478923" y="1376855"/>
+            <a:ext cx="6348249" cy="2308324"/>
           </a:xfrm>
           <a:prstGeom prst="rect">
             <a:avLst/>
@@ -6250,6 +6307,144 @@
               <a:t>入力済みの場合のみ追加を押せるように</a:t>
             </a:r>
             <a:endParaRPr lang="en-US" altLang="ja-JP" dirty="0"/>
+          </a:p>
+          <a:p>
+            <a:endParaRPr lang="en-US" altLang="ja-JP" dirty="0"/>
+          </a:p>
+          <a:p>
+            <a:r>
+              <a:rPr lang="en-US" altLang="ja-JP" dirty="0"/>
+              <a:t>-</a:t>
+            </a:r>
+            <a:r>
+              <a:rPr lang="ja-JP" altLang="en-US"/>
+              <a:t>カテゴリー機能</a:t>
+            </a:r>
+            <a:r>
+              <a:rPr lang="en-US" altLang="ja-JP" dirty="0"/>
+              <a:t>(</a:t>
+            </a:r>
+            <a:r>
+              <a:rPr lang="ja-JP" altLang="en-US"/>
+              <a:t>メニューバーからカテゴリを選ぶ</a:t>
+            </a:r>
+            <a:r>
+              <a:rPr lang="en-US" altLang="ja-JP" dirty="0"/>
+              <a:t>)</a:t>
+            </a:r>
+          </a:p>
+          <a:p>
+            <a:r>
+              <a:rPr lang="en-US" altLang="ja-JP" dirty="0"/>
+              <a:t>  - </a:t>
+            </a:r>
+            <a:r>
+              <a:rPr lang="ja-JP" altLang="en-US"/>
+              <a:t>左丸を押すとメニューバーを表示して、選んだものに応じて表示を変える</a:t>
+            </a:r>
+            <a:endParaRPr lang="en-US" altLang="ja-JP" dirty="0"/>
+          </a:p>
+          <a:p>
+            <a:r>
+              <a:rPr lang="en-US" altLang="ja-JP" dirty="0"/>
+              <a:t>    - </a:t>
+            </a:r>
+            <a:r>
+              <a:rPr lang="ja-JP" altLang="en-US"/>
+              <a:t>カテゴリーを選ばなくても登録はできるようにしたい</a:t>
+            </a:r>
+            <a:endParaRPr lang="en-US" altLang="ja-JP" dirty="0"/>
+          </a:p>
+        </p:txBody>
+      </p:sp>
+      <p:sp>
+        <p:nvSpPr>
+          <p:cNvPr id="2" name="円/楕円 1">
+            <a:extLst>
+              <a:ext uri="{FF2B5EF4-FFF2-40B4-BE49-F238E27FC236}">
+                <a16:creationId xmlns:a16="http://schemas.microsoft.com/office/drawing/2014/main" id="{493F44EB-A3BC-33D9-B2D6-BB8C106F9593}"/>
+              </a:ext>
+            </a:extLst>
+          </p:cNvPr>
+          <p:cNvSpPr/>
+          <p:nvPr/>
+        </p:nvSpPr>
+        <p:spPr>
+          <a:xfrm>
+            <a:off x="939649" y="2702023"/>
+            <a:ext cx="283779" cy="297266"/>
+          </a:xfrm>
+          <a:prstGeom prst="ellipse">
+            <a:avLst/>
+          </a:prstGeom>
+        </p:spPr>
+        <p:style>
+          <a:lnRef idx="2">
+            <a:schemeClr val="accent6"/>
+          </a:lnRef>
+          <a:fillRef idx="1">
+            <a:schemeClr val="lt1"/>
+          </a:fillRef>
+          <a:effectRef idx="0">
+            <a:schemeClr val="accent6"/>
+          </a:effectRef>
+          <a:fontRef idx="minor">
+            <a:schemeClr val="dk1"/>
+          </a:fontRef>
+        </p:style>
+        <p:txBody>
+          <a:bodyPr rtlCol="0" anchor="ctr"/>
+          <a:lstStyle/>
+          <a:p>
+            <a:pPr algn="ctr"/>
+            <a:endParaRPr kumimoji="1" lang="ja-JP" altLang="en-US"/>
+          </a:p>
+        </p:txBody>
+      </p:sp>
+      <p:sp>
+        <p:nvSpPr>
+          <p:cNvPr id="3" name="正方形/長方形 2">
+            <a:extLst>
+              <a:ext uri="{FF2B5EF4-FFF2-40B4-BE49-F238E27FC236}">
+                <a16:creationId xmlns:a16="http://schemas.microsoft.com/office/drawing/2014/main" id="{9316299C-08B5-F91E-00BC-D046FBA01798}"/>
+              </a:ext>
+            </a:extLst>
+          </p:cNvPr>
+          <p:cNvSpPr/>
+          <p:nvPr/>
+        </p:nvSpPr>
+        <p:spPr>
+          <a:xfrm>
+            <a:off x="1345323" y="2702023"/>
+            <a:ext cx="998483" cy="297266"/>
+          </a:xfrm>
+          <a:prstGeom prst="rect">
+            <a:avLst/>
+          </a:prstGeom>
+        </p:spPr>
+        <p:style>
+          <a:lnRef idx="2">
+            <a:schemeClr val="accent6"/>
+          </a:lnRef>
+          <a:fillRef idx="1">
+            <a:schemeClr val="lt1"/>
+          </a:fillRef>
+          <a:effectRef idx="0">
+            <a:schemeClr val="accent6"/>
+          </a:effectRef>
+          <a:fontRef idx="minor">
+            <a:schemeClr val="dk1"/>
+          </a:fontRef>
+        </p:style>
+        <p:txBody>
+          <a:bodyPr rtlCol="0" anchor="ctr"/>
+          <a:lstStyle/>
+          <a:p>
+            <a:pPr algn="ctr"/>
+            <a:r>
+              <a:rPr kumimoji="1" lang="ja-JP" altLang="en-US" sz="1200"/>
+              <a:t>カテゴリー</a:t>
+            </a:r>
           </a:p>
         </p:txBody>
       </p:sp>
